--- a/PPTs/SIH1413 Dar Ghar Niryat Kendra.pptx
+++ b/PPTs/SIH1413 Dar Ghar Niryat Kendra.pptx
@@ -17,36 +17,43 @@
   <p:notesSz cx="6858000" cy="9144000"/>
   <p:embeddedFontLst>
     <p:embeddedFont>
+      <p:font typeface="Aptos Display" panose="020B0004020202020204" pitchFamily="34" charset="0"/>
+      <p:regular r:id="rId7"/>
+      <p:bold r:id="rId8"/>
+      <p:italic r:id="rId9"/>
+      <p:boldItalic r:id="rId10"/>
+    </p:embeddedFont>
+    <p:embeddedFont>
       <p:font typeface="Bahnschrift SemiBold" panose="020B0502040204020203" pitchFamily="34" charset="0"/>
-      <p:bold r:id="rId7"/>
+      <p:bold r:id="rId11"/>
     </p:embeddedFont>
     <p:embeddedFont>
       <p:font typeface="Calibri" panose="020F0502020204030204" pitchFamily="34" charset="0"/>
-      <p:regular r:id="rId8"/>
-      <p:bold r:id="rId9"/>
-      <p:italic r:id="rId10"/>
-      <p:boldItalic r:id="rId11"/>
+      <p:regular r:id="rId12"/>
+      <p:bold r:id="rId13"/>
+      <p:italic r:id="rId14"/>
+      <p:boldItalic r:id="rId15"/>
     </p:embeddedFont>
     <p:embeddedFont>
       <p:font typeface="Franklin Gothic" panose="020B0604020202020204" charset="0"/>
-      <p:bold r:id="rId12"/>
+      <p:bold r:id="rId16"/>
     </p:embeddedFont>
     <p:embeddedFont>
       <p:font typeface="Libre Franklin" pitchFamily="2" charset="0"/>
-      <p:regular r:id="rId13"/>
-      <p:bold r:id="rId14"/>
-      <p:italic r:id="rId15"/>
-      <p:boldItalic r:id="rId16"/>
+      <p:regular r:id="rId17"/>
+      <p:bold r:id="rId18"/>
+      <p:italic r:id="rId19"/>
+      <p:boldItalic r:id="rId20"/>
     </p:embeddedFont>
     <p:embeddedFont>
       <p:font typeface="Noto Sans Symbols" pitchFamily="2" charset="0"/>
-      <p:regular r:id="rId17"/>
-      <p:bold r:id="rId18"/>
+      <p:regular r:id="rId21"/>
+      <p:bold r:id="rId22"/>
     </p:embeddedFont>
     <p:embeddedFont>
       <p:font typeface="Tahoma" panose="020B0604030504040204" pitchFamily="34" charset="0"/>
-      <p:regular r:id="rId19"/>
-      <p:bold r:id="rId20"/>
+      <p:regular r:id="rId23"/>
+      <p:bold r:id="rId24"/>
     </p:embeddedFont>
   </p:embeddedFontLst>
   <p:defaultTextStyle>
@@ -299,7 +306,7 @@
       <p15:sldGuideLst xmlns:p15="http://schemas.microsoft.com/office/powerpoint/2012/main"/>
     </p:ext>
     <p:ext uri="http://customooxmlschemas.google.com/">
-      <go:slidesCustomData xmlns:go="http://customooxmlschemas.google.com/" xmlns:ahyp="http://schemas.microsoft.com/office/drawing/2018/hyperlinkcolor" xmlns:p15="http://schemas.microsoft.com/office/powerpoint/2012/main" xmlns:p14="http://schemas.microsoft.com/office/powerpoint/2010/main" xmlns:com="http://schemas.openxmlformats.org/drawingml/2006/compatibility" xmlns:pvml="urn:schemas-microsoft-com:office:powerpoint" xmlns:v="urn:schemas-microsoft-com:vml" xmlns:o="urn:schemas-microsoft-com:office:office" xmlns:dgm="http://schemas.openxmlformats.org/drawingml/2006/diagram" xmlns:c="http://schemas.openxmlformats.org/drawingml/2006/chart" xmlns:mv="urn:schemas-microsoft-com:mac:vml" xmlns:mc="http://schemas.openxmlformats.org/markup-compatibility/2006" xmlns="" r:id="rId23" roundtripDataSignature="AMtx7mi1sBDdHb2XsYteFNPHBFMUQvu/sQ=="/>
+      <go:slidesCustomData xmlns="" xmlns:mc="http://schemas.openxmlformats.org/markup-compatibility/2006" xmlns:mv="urn:schemas-microsoft-com:mac:vml" xmlns:c="http://schemas.openxmlformats.org/drawingml/2006/chart" xmlns:dgm="http://schemas.openxmlformats.org/drawingml/2006/diagram" xmlns:o="urn:schemas-microsoft-com:office:office" xmlns:v="urn:schemas-microsoft-com:vml" xmlns:pvml="urn:schemas-microsoft-com:office:powerpoint" xmlns:com="http://schemas.openxmlformats.org/drawingml/2006/compatibility" xmlns:p14="http://schemas.microsoft.com/office/powerpoint/2010/main" xmlns:p15="http://schemas.microsoft.com/office/powerpoint/2012/main" xmlns:ahyp="http://schemas.microsoft.com/office/drawing/2018/hyperlinkcolor" xmlns:go="http://customooxmlschemas.google.com/" r:id="rId25" roundtripDataSignature="AMtx7mi1sBDdHb2XsYteFNPHBFMUQvu/sQ=="/>
     </p:ext>
   </p:extLst>
 </p:presentation>
@@ -24336,9 +24343,30 @@
                 <a:ea typeface="Tahoma" panose="020B0604030504040204" pitchFamily="34" charset="0"/>
                 <a:cs typeface="Tahoma" panose="020B0604030504040204" pitchFamily="34" charset="0"/>
               </a:rPr>
-              <a:t>Ministry of Micro, Small and Medium Enterprises</a:t>
+              <a:t>Ministry of Communications</a:t>
             </a:r>
-            <a:endParaRPr dirty="0">
+          </a:p>
+          <a:p>
+            <a:pPr marL="0" lvl="0" indent="0" algn="l" rtl="0">
+              <a:lnSpc>
+                <a:spcPct val="90000"/>
+              </a:lnSpc>
+              <a:spcBef>
+                <a:spcPts val="1000"/>
+              </a:spcBef>
+              <a:spcAft>
+                <a:spcPts val="0"/>
+              </a:spcAft>
+              <a:buClr>
+                <a:schemeClr val="lt2"/>
+              </a:buClr>
+              <a:buSzPts val="1800"/>
+              <a:buNone/>
+            </a:pPr>
+            <a:endParaRPr lang="en-US" dirty="0">
+              <a:solidFill>
+                <a:srgbClr val="212529"/>
+              </a:solidFill>
               <a:latin typeface="Tahoma" panose="020B0604030504040204" pitchFamily="34" charset="0"/>
               <a:ea typeface="Tahoma" panose="020B0604030504040204" pitchFamily="34" charset="0"/>
               <a:cs typeface="Tahoma" panose="020B0604030504040204" pitchFamily="34" charset="0"/>
@@ -24372,7 +24400,19 @@
               <a:t>PS Code: </a:t>
             </a:r>
             <a:r>
-              <a:rPr lang="en-IN" b="0" i="0" dirty="0">
+              <a:rPr lang="en-US" dirty="0">
+                <a:solidFill>
+                  <a:schemeClr val="tx1"/>
+                </a:solidFill>
+                <a:latin typeface="+mj-lt"/>
+                <a:ea typeface="Franklin Gothic"/>
+                <a:cs typeface="Franklin Gothic"/>
+                <a:sym typeface="Franklin Gothic"/>
+              </a:rPr>
+              <a:t>SIH</a:t>
+            </a:r>
+            <a:r>
+              <a:rPr lang="en-IN" b="1" i="0">
                 <a:solidFill>
                   <a:srgbClr val="212529"/>
                 </a:solidFill>
@@ -24383,24 +24423,6 @@
               </a:rPr>
               <a:t>1413</a:t>
             </a:r>
-          </a:p>
-          <a:p>
-            <a:pPr marL="0" lvl="0" indent="0" algn="l" rtl="0">
-              <a:lnSpc>
-                <a:spcPct val="90000"/>
-              </a:lnSpc>
-              <a:spcBef>
-                <a:spcPts val="1000"/>
-              </a:spcBef>
-              <a:spcAft>
-                <a:spcPts val="0"/>
-              </a:spcAft>
-              <a:buClr>
-                <a:schemeClr val="lt2"/>
-              </a:buClr>
-              <a:buSzPts val="1800"/>
-              <a:buNone/>
-            </a:pPr>
             <a:br>
               <a:rPr lang="en-US" dirty="0">
                 <a:latin typeface="Tahoma" panose="020B0604030504040204" pitchFamily="34" charset="0"/>
@@ -25103,11 +25125,109 @@
               <a:buSzPts val="1600"/>
             </a:pPr>
             <a:r>
+              <a:rPr lang="en-US" sz="1200" dirty="0">
+                <a:latin typeface="Courier New" panose="02070309020205020404" pitchFamily="49" charset="0"/>
+                <a:cs typeface="Courier New" panose="02070309020205020404" pitchFamily="49" charset="0"/>
+              </a:rPr>
+              <a:t>This platform will offer features such as </a:t>
+            </a:r>
+            <a:r>
               <a:rPr lang="en-US" sz="1200" b="1" dirty="0">
                 <a:latin typeface="Courier New" panose="02070309020205020404" pitchFamily="49" charset="0"/>
                 <a:cs typeface="Courier New" panose="02070309020205020404" pitchFamily="49" charset="0"/>
               </a:rPr>
-              <a:t>This platform will offer features such as export selection, DNK locator, efficient processing, and real-time notifications. It would provide several advantages to small businesses, including accessibility, compliance assistance, trust building, cost-effectiveness, and empowerment. This platform will enable small businesses to export seamlessly, promoting growth in international markets.</a:t>
+              <a:t>export selection</a:t>
+            </a:r>
+            <a:r>
+              <a:rPr lang="en-US" sz="1200" dirty="0">
+                <a:latin typeface="Courier New" panose="02070309020205020404" pitchFamily="49" charset="0"/>
+                <a:cs typeface="Courier New" panose="02070309020205020404" pitchFamily="49" charset="0"/>
+              </a:rPr>
+              <a:t>, </a:t>
+            </a:r>
+            <a:r>
+              <a:rPr lang="en-US" sz="1200" b="1" dirty="0">
+                <a:latin typeface="Courier New" panose="02070309020205020404" pitchFamily="49" charset="0"/>
+                <a:cs typeface="Courier New" panose="02070309020205020404" pitchFamily="49" charset="0"/>
+              </a:rPr>
+              <a:t>DNK locator</a:t>
+            </a:r>
+            <a:r>
+              <a:rPr lang="en-US" sz="1200" dirty="0">
+                <a:latin typeface="Courier New" panose="02070309020205020404" pitchFamily="49" charset="0"/>
+                <a:cs typeface="Courier New" panose="02070309020205020404" pitchFamily="49" charset="0"/>
+              </a:rPr>
+              <a:t>, efficient processing, and </a:t>
+            </a:r>
+            <a:r>
+              <a:rPr lang="en-US" sz="1200" b="1" dirty="0">
+                <a:latin typeface="Courier New" panose="02070309020205020404" pitchFamily="49" charset="0"/>
+                <a:cs typeface="Courier New" panose="02070309020205020404" pitchFamily="49" charset="0"/>
+              </a:rPr>
+              <a:t>real-time notifications</a:t>
+            </a:r>
+            <a:r>
+              <a:rPr lang="en-US" sz="1200" dirty="0">
+                <a:latin typeface="Courier New" panose="02070309020205020404" pitchFamily="49" charset="0"/>
+                <a:cs typeface="Courier New" panose="02070309020205020404" pitchFamily="49" charset="0"/>
+              </a:rPr>
+              <a:t>. It would provide several advantages to small businesses, including </a:t>
+            </a:r>
+            <a:r>
+              <a:rPr lang="en-US" sz="1200" b="1" dirty="0">
+                <a:latin typeface="Courier New" panose="02070309020205020404" pitchFamily="49" charset="0"/>
+                <a:cs typeface="Courier New" panose="02070309020205020404" pitchFamily="49" charset="0"/>
+              </a:rPr>
+              <a:t>accessibility</a:t>
+            </a:r>
+            <a:r>
+              <a:rPr lang="en-US" sz="1200" dirty="0">
+                <a:latin typeface="Courier New" panose="02070309020205020404" pitchFamily="49" charset="0"/>
+                <a:cs typeface="Courier New" panose="02070309020205020404" pitchFamily="49" charset="0"/>
+              </a:rPr>
+              <a:t>, compliance </a:t>
+            </a:r>
+            <a:r>
+              <a:rPr lang="en-US" sz="1200" b="1" dirty="0">
+                <a:latin typeface="Courier New" panose="02070309020205020404" pitchFamily="49" charset="0"/>
+                <a:cs typeface="Courier New" panose="02070309020205020404" pitchFamily="49" charset="0"/>
+              </a:rPr>
+              <a:t>assistance</a:t>
+            </a:r>
+            <a:r>
+              <a:rPr lang="en-US" sz="1200" dirty="0">
+                <a:latin typeface="Courier New" panose="02070309020205020404" pitchFamily="49" charset="0"/>
+                <a:cs typeface="Courier New" panose="02070309020205020404" pitchFamily="49" charset="0"/>
+              </a:rPr>
+              <a:t>, trust building, cost-effectiveness, and empowerment. This </a:t>
+            </a:r>
+            <a:r>
+              <a:rPr lang="en-US" sz="1200" b="1" dirty="0">
+                <a:latin typeface="Courier New" panose="02070309020205020404" pitchFamily="49" charset="0"/>
+                <a:cs typeface="Courier New" panose="02070309020205020404" pitchFamily="49" charset="0"/>
+              </a:rPr>
+              <a:t>platform</a:t>
+            </a:r>
+            <a:r>
+              <a:rPr lang="en-US" sz="1200" dirty="0">
+                <a:latin typeface="Courier New" panose="02070309020205020404" pitchFamily="49" charset="0"/>
+                <a:cs typeface="Courier New" panose="02070309020205020404" pitchFamily="49" charset="0"/>
+              </a:rPr>
+              <a:t> will </a:t>
+            </a:r>
+            <a:r>
+              <a:rPr lang="en-US" sz="1200" b="1" dirty="0">
+                <a:latin typeface="Courier New" panose="02070309020205020404" pitchFamily="49" charset="0"/>
+                <a:cs typeface="Courier New" panose="02070309020205020404" pitchFamily="49" charset="0"/>
+              </a:rPr>
+              <a:t>enable small businesses to export seamlessly</a:t>
+            </a:r>
+            <a:r>
+              <a:rPr lang="en-US" sz="1200" dirty="0">
+                <a:latin typeface="Courier New" panose="02070309020205020404" pitchFamily="49" charset="0"/>
+                <a:cs typeface="Courier New" panose="02070309020205020404" pitchFamily="49" charset="0"/>
+              </a:rPr>
+              <a:t>, promoting growth in international markets.</a:t>
             </a:r>
           </a:p>
         </p:txBody>
@@ -27750,7 +27870,7 @@
                 <a:latin typeface="Bahnschrift SemiBold" panose="020B0502040204020203" pitchFamily="34" charset="0"/>
                 <a:cs typeface="Courier New" panose="02070309020205020404" pitchFamily="49" charset="0"/>
               </a:rPr>
-              <a:t>User receives export notification.</a:t>
+              <a:t>User receives export notifications.</a:t>
             </a:r>
             <a:endParaRPr lang="en-IN" sz="1050" dirty="0">
               <a:latin typeface="Bahnschrift SemiBold" panose="020B0502040204020203" pitchFamily="34" charset="0"/>
@@ -28711,7 +28831,7 @@
         </p:nvSpPr>
         <p:spPr>
           <a:xfrm>
-            <a:off x="280637" y="824845"/>
+            <a:off x="257097" y="753896"/>
             <a:ext cx="4279963" cy="315915"/>
           </a:xfrm>
           <a:prstGeom prst="rect">
@@ -28819,7 +28939,7 @@
               <a:buSzPts val="1600"/>
             </a:pPr>
             <a:r>
-              <a:rPr lang="en-US" sz="1600" b="0" i="0">
+              <a:rPr lang="en-US" sz="1600" b="0" i="0" dirty="0">
                 <a:solidFill>
                   <a:schemeClr val="dk1"/>
                 </a:solidFill>
@@ -28830,7 +28950,7 @@
               </a:rPr>
               <a:t>  </a:t>
             </a:r>
-            <a:endParaRPr>
+            <a:endParaRPr lang="en-US" dirty="0">
               <a:latin typeface="+mj-lt"/>
             </a:endParaRPr>
           </a:p>
@@ -28850,8 +28970,8 @@
         </p:nvSpPr>
         <p:spPr>
           <a:xfrm>
-            <a:off x="5062196" y="1069811"/>
-            <a:ext cx="3844766" cy="338554"/>
+            <a:off x="5201750" y="1269127"/>
+            <a:ext cx="6699582" cy="338554"/>
           </a:xfrm>
           <a:prstGeom prst="rect">
             <a:avLst/>
@@ -28875,41 +28995,6 @@
           </a:p>
         </p:txBody>
       </p:sp>
-      <p:pic>
-        <p:nvPicPr>
-          <p:cNvPr id="15" name="Graphic 14" descr="Image">
-            <a:extLst>
-              <a:ext uri="{FF2B5EF4-FFF2-40B4-BE49-F238E27FC236}">
-                <a16:creationId xmlns:a16="http://schemas.microsoft.com/office/drawing/2014/main" id="{E16F7290-358C-9916-0BF3-AA35663E926E}"/>
-              </a:ext>
-            </a:extLst>
-          </p:cNvPr>
-          <p:cNvPicPr>
-            <a:picLocks noChangeAspect="1"/>
-          </p:cNvPicPr>
-          <p:nvPr/>
-        </p:nvPicPr>
-        <p:blipFill>
-          <a:blip r:embed="rId3">
-            <a:extLst>
-              <a:ext uri="{96DAC541-7B7A-43D3-8B79-37D633B846F1}">
-                <asvg:svgBlip xmlns:asvg="http://schemas.microsoft.com/office/drawing/2016/SVG/main" r:embed="rId4"/>
-              </a:ext>
-            </a:extLst>
-          </a:blip>
-          <a:srcRect/>
-          <a:stretch/>
-        </p:blipFill>
-        <p:spPr>
-          <a:xfrm>
-            <a:off x="104256" y="1551970"/>
-            <a:ext cx="4816148" cy="4816148"/>
-          </a:xfrm>
-          <a:prstGeom prst="rect">
-            <a:avLst/>
-          </a:prstGeom>
-        </p:spPr>
-      </p:pic>
       <p:sp>
         <p:nvSpPr>
           <p:cNvPr id="47" name="TextBox 46">
@@ -28924,7 +29009,7 @@
         </p:nvSpPr>
         <p:spPr>
           <a:xfrm>
-            <a:off x="5961955" y="2248582"/>
+            <a:off x="5584052" y="2824798"/>
             <a:ext cx="1422959" cy="459700"/>
           </a:xfrm>
           <a:prstGeom prst="roundRect">
@@ -28979,14 +29064,14 @@
           <p:nvPr/>
         </p:nvPicPr>
         <p:blipFill>
-          <a:blip r:embed="rId5"/>
+          <a:blip r:embed="rId3"/>
           <a:stretch>
             <a:fillRect/>
           </a:stretch>
         </p:blipFill>
         <p:spPr>
           <a:xfrm>
-            <a:off x="7518151" y="1941761"/>
+            <a:off x="7100742" y="2623436"/>
             <a:ext cx="766521" cy="766521"/>
           </a:xfrm>
           <a:prstGeom prst="rect">
@@ -29008,7 +29093,7 @@
         </p:nvSpPr>
         <p:spPr>
           <a:xfrm>
-            <a:off x="9071792" y="4721482"/>
+            <a:off x="7648833" y="4966875"/>
             <a:ext cx="1422959" cy="459700"/>
           </a:xfrm>
           <a:prstGeom prst="roundRect">
@@ -29053,14 +29138,14 @@
           <p:nvPr/>
         </p:nvPicPr>
         <p:blipFill>
-          <a:blip r:embed="rId6"/>
+          <a:blip r:embed="rId4"/>
           <a:stretch>
             <a:fillRect/>
           </a:stretch>
         </p:blipFill>
         <p:spPr>
           <a:xfrm>
-            <a:off x="8994550" y="3941098"/>
+            <a:off x="7960205" y="4182047"/>
             <a:ext cx="736718" cy="736718"/>
           </a:xfrm>
           <a:prstGeom prst="rect">
@@ -29083,15 +29168,15 @@
           <p:nvPr/>
         </p:nvPicPr>
         <p:blipFill>
-          <a:blip r:embed="rId7"/>
+          <a:blip r:embed="rId5"/>
           <a:stretch>
             <a:fillRect/>
           </a:stretch>
         </p:blipFill>
         <p:spPr>
           <a:xfrm>
-            <a:off x="5849384" y="4127282"/>
-            <a:ext cx="1648100" cy="1648100"/>
+            <a:off x="5716231" y="4617922"/>
+            <a:ext cx="1157627" cy="1157627"/>
           </a:xfrm>
           <a:prstGeom prst="rect">
             <a:avLst/>
@@ -29108,6 +29193,7 @@
             </a:extLst>
           </p:cNvPr>
           <p:cNvCxnSpPr>
+            <a:cxnSpLocks/>
             <a:stCxn id="47" idx="2"/>
             <a:endCxn id="197" idx="0"/>
           </p:cNvCxnSpPr>
@@ -29115,8 +29201,8 @@
         </p:nvCxnSpPr>
         <p:spPr>
           <a:xfrm flipH="1">
-            <a:off x="6673434" y="2708282"/>
-            <a:ext cx="1" cy="1419000"/>
+            <a:off x="6295045" y="3284498"/>
+            <a:ext cx="487" cy="1333424"/>
           </a:xfrm>
           <a:prstGeom prst="straightConnector1">
             <a:avLst/>
@@ -29157,9 +29243,9 @@
           <p:nvPr/>
         </p:nvCxnSpPr>
         <p:spPr>
-          <a:xfrm>
-            <a:off x="7497484" y="4951332"/>
-            <a:ext cx="1574308" cy="0"/>
+          <a:xfrm flipV="1">
+            <a:off x="6873858" y="5196725"/>
+            <a:ext cx="774975" cy="11"/>
           </a:xfrm>
           <a:prstGeom prst="straightConnector1">
             <a:avLst/>
@@ -29197,7 +29283,7 @@
         </p:nvSpPr>
         <p:spPr>
           <a:xfrm>
-            <a:off x="9071792" y="5618544"/>
+            <a:off x="9783271" y="4877488"/>
             <a:ext cx="1422959" cy="638473"/>
           </a:xfrm>
           <a:prstGeom prst="roundRect">
@@ -29238,15 +29324,15 @@
           </p:cNvPr>
           <p:cNvCxnSpPr>
             <a:cxnSpLocks/>
-            <a:stCxn id="193" idx="2"/>
-            <a:endCxn id="209" idx="0"/>
+            <a:stCxn id="193" idx="3"/>
+            <a:endCxn id="209" idx="1"/>
           </p:cNvCxnSpPr>
           <p:nvPr/>
         </p:nvCxnSpPr>
         <p:spPr>
           <a:xfrm>
-            <a:off x="9783272" y="5181182"/>
-            <a:ext cx="0" cy="437362"/>
+            <a:off x="9071792" y="5196725"/>
+            <a:ext cx="711479" cy="0"/>
           </a:xfrm>
           <a:prstGeom prst="straightConnector1">
             <a:avLst/>
@@ -29285,15 +29371,15 @@
           <p:nvPr/>
         </p:nvPicPr>
         <p:blipFill>
-          <a:blip r:embed="rId8"/>
+          <a:blip r:embed="rId6"/>
           <a:stretch>
             <a:fillRect/>
           </a:stretch>
         </p:blipFill>
         <p:spPr>
           <a:xfrm>
-            <a:off x="10494751" y="5670607"/>
-            <a:ext cx="534346" cy="534346"/>
+            <a:off x="10470001" y="4005430"/>
+            <a:ext cx="736229" cy="736229"/>
           </a:xfrm>
           <a:prstGeom prst="rect">
             <a:avLst/>
@@ -29314,7 +29400,7 @@
         </p:nvSpPr>
         <p:spPr>
           <a:xfrm>
-            <a:off x="5883081" y="5775382"/>
+            <a:off x="5584052" y="5774954"/>
             <a:ext cx="1614402" cy="253916"/>
           </a:xfrm>
           <a:prstGeom prst="rect">
@@ -29334,6 +29420,152 @@
                 <a:cs typeface="Arial" panose="020B0604020202020204" pitchFamily="34" charset="0"/>
               </a:rPr>
               <a:t>Dak Ghar Niryat Kendra</a:t>
+            </a:r>
+          </a:p>
+        </p:txBody>
+      </p:sp>
+      <p:pic>
+        <p:nvPicPr>
+          <p:cNvPr id="3" name="Graphic 2">
+            <a:extLst>
+              <a:ext uri="{FF2B5EF4-FFF2-40B4-BE49-F238E27FC236}">
+                <a16:creationId xmlns:a16="http://schemas.microsoft.com/office/drawing/2014/main" id="{61517B2A-D65F-8130-6B66-A845B328ABBD}"/>
+              </a:ext>
+            </a:extLst>
+          </p:cNvPr>
+          <p:cNvPicPr>
+            <a:picLocks noChangeAspect="1"/>
+          </p:cNvPicPr>
+          <p:nvPr/>
+        </p:nvPicPr>
+        <p:blipFill>
+          <a:blip r:embed="rId7">
+            <a:extLst>
+              <a:ext uri="{96DAC541-7B7A-43D3-8B79-37D633B846F1}">
+                <asvg:svgBlip xmlns:asvg="http://schemas.microsoft.com/office/drawing/2016/SVG/main" r:embed="rId8"/>
+              </a:ext>
+            </a:extLst>
+          </a:blip>
+          <a:stretch>
+            <a:fillRect/>
+          </a:stretch>
+        </p:blipFill>
+        <p:spPr>
+          <a:xfrm>
+            <a:off x="385371" y="1055373"/>
+            <a:ext cx="3957511" cy="5670973"/>
+          </a:xfrm>
+          <a:prstGeom prst="rect">
+            <a:avLst/>
+          </a:prstGeom>
+        </p:spPr>
+      </p:pic>
+      <p:sp>
+        <p:nvSpPr>
+          <p:cNvPr id="22" name="TextBox 21">
+            <a:extLst>
+              <a:ext uri="{FF2B5EF4-FFF2-40B4-BE49-F238E27FC236}">
+                <a16:creationId xmlns:a16="http://schemas.microsoft.com/office/drawing/2014/main" id="{F192381F-72C6-8504-DF1A-8C83F45FD782}"/>
+              </a:ext>
+            </a:extLst>
+          </p:cNvPr>
+          <p:cNvSpPr txBox="1"/>
+          <p:nvPr/>
+        </p:nvSpPr>
+        <p:spPr>
+          <a:xfrm>
+            <a:off x="5201750" y="1661264"/>
+            <a:ext cx="6727756" cy="646331"/>
+          </a:xfrm>
+          <a:prstGeom prst="rect">
+            <a:avLst/>
+          </a:prstGeom>
+          <a:noFill/>
+        </p:spPr>
+        <p:txBody>
+          <a:bodyPr wrap="square">
+            <a:spAutoFit/>
+          </a:bodyPr>
+          <a:lstStyle/>
+          <a:p>
+            <a:r>
+              <a:rPr lang="en-US" sz="1800" i="0" dirty="0">
+                <a:solidFill>
+                  <a:schemeClr val="tx1"/>
+                </a:solidFill>
+                <a:effectLst/>
+                <a:latin typeface="Aptos Display" panose="020B0004020202020204" pitchFamily="34" charset="0"/>
+              </a:rPr>
+              <a:t>This DNK System </a:t>
+            </a:r>
+            <a:r>
+              <a:rPr lang="en-US" sz="1800" b="1" i="0" dirty="0">
+                <a:solidFill>
+                  <a:schemeClr val="tx1"/>
+                </a:solidFill>
+                <a:effectLst/>
+                <a:latin typeface="Aptos Display" panose="020B0004020202020204" pitchFamily="34" charset="0"/>
+              </a:rPr>
+              <a:t>Simplifies Export</a:t>
+            </a:r>
+            <a:r>
+              <a:rPr lang="en-US" sz="1800" b="1" dirty="0">
+                <a:solidFill>
+                  <a:schemeClr val="tx1"/>
+                </a:solidFill>
+                <a:latin typeface="Aptos Display" panose="020B0004020202020204" pitchFamily="34" charset="0"/>
+              </a:rPr>
+              <a:t>  </a:t>
+            </a:r>
+            <a:r>
+              <a:rPr lang="en-US" sz="1800" b="0" i="0" dirty="0">
+                <a:solidFill>
+                  <a:schemeClr val="tx1"/>
+                </a:solidFill>
+                <a:effectLst/>
+                <a:latin typeface="Aptos Display" panose="020B0004020202020204" pitchFamily="34" charset="0"/>
+              </a:rPr>
+              <a:t>for small traders and artisans, etc.,  By </a:t>
+            </a:r>
+            <a:r>
+              <a:rPr lang="en-US" sz="1800" b="1" i="0" dirty="0">
+                <a:solidFill>
+                  <a:schemeClr val="tx1"/>
+                </a:solidFill>
+                <a:effectLst/>
+                <a:latin typeface="Aptos Display" panose="020B0004020202020204" pitchFamily="34" charset="0"/>
+              </a:rPr>
+              <a:t>reducing paperwork </a:t>
+            </a:r>
+            <a:r>
+              <a:rPr lang="en-US" sz="1800" b="0" i="0" dirty="0">
+                <a:solidFill>
+                  <a:schemeClr val="tx1"/>
+                </a:solidFill>
+                <a:effectLst/>
+                <a:latin typeface="Aptos Display" panose="020B0004020202020204" pitchFamily="34" charset="0"/>
+              </a:rPr>
+              <a:t>and making it </a:t>
+            </a:r>
+            <a:r>
+              <a:rPr lang="en-US" sz="1800" b="1" i="0" dirty="0">
+                <a:solidFill>
+                  <a:schemeClr val="tx1"/>
+                </a:solidFill>
+                <a:effectLst/>
+                <a:latin typeface="Aptos Display" panose="020B0004020202020204" pitchFamily="34" charset="0"/>
+              </a:rPr>
+              <a:t>more accessible</a:t>
+            </a:r>
+            <a:r>
+              <a:rPr lang="en-US" sz="1800" b="0" i="0" dirty="0">
+                <a:solidFill>
+                  <a:schemeClr val="tx1"/>
+                </a:solidFill>
+                <a:effectLst/>
+                <a:latin typeface="Aptos Display" panose="020B0004020202020204" pitchFamily="34" charset="0"/>
+              </a:rPr>
+              <a:t>.</a:t>
             </a:r>
           </a:p>
         </p:txBody>
